--- a/2018-01-19.pptx
+++ b/2018-01-19.pptx
@@ -7806,10 +7806,10 @@
               <a:buNone/>
             </a:pPr>
             <a:r>
-              <a:rPr lang="en"/>
+              <a:rPr lang="en" dirty="0"/>
               <a:t>Sunday 1/28</a:t>
             </a:r>
-            <a:endParaRPr/>
+            <a:endParaRPr dirty="0"/>
           </a:p>
           <a:p>
             <a:pPr marL="0" lvl="0" indent="0" rtl="0">
@@ -7822,10 +7822,10 @@
               <a:buNone/>
             </a:pPr>
             <a:r>
-              <a:rPr lang="en"/>
+              <a:rPr lang="en" dirty="0"/>
               <a:t>1:00 - 2:00 pm</a:t>
             </a:r>
-            <a:endParaRPr/>
+            <a:endParaRPr dirty="0"/>
           </a:p>
           <a:p>
             <a:pPr marL="0" lvl="0" indent="0" rtl="0">
@@ -7838,10 +7838,10 @@
               <a:buNone/>
             </a:pPr>
             <a:r>
-              <a:rPr lang="en"/>
-              <a:t>Intro to Angular</a:t>
+              <a:rPr lang="en-US" dirty="0" smtClean="0"/>
+              <a:t>Getting Started on a Project</a:t>
             </a:r>
-            <a:endParaRPr/>
+            <a:endParaRPr dirty="0"/>
           </a:p>
           <a:p>
             <a:pPr marL="0" lvl="0" indent="0" rtl="0">
@@ -7854,7 +7854,7 @@
               <a:buNone/>
             </a:pPr>
             <a:r>
-              <a:rPr lang="en" u="sng">
+              <a:rPr lang="en" u="sng" dirty="0">
                 <a:solidFill>
                   <a:schemeClr val="hlink"/>
                 </a:solidFill>
@@ -7863,10 +7863,10 @@
               <a:t>www.meetup.com/freecodecampokc</a:t>
             </a:r>
             <a:r>
-              <a:rPr lang="en"/>
+              <a:rPr lang="en" dirty="0"/>
               <a:t> </a:t>
             </a:r>
-            <a:endParaRPr/>
+            <a:endParaRPr dirty="0"/>
           </a:p>
         </p:txBody>
       </p:sp>
@@ -10116,7 +10116,7 @@
               <a:buNone/>
             </a:pPr>
             <a:r>
-              <a:rPr lang="en" u="sng">
+              <a:rPr lang="en" u="sng" dirty="0">
                 <a:solidFill>
                   <a:schemeClr val="hlink"/>
                 </a:solidFill>
@@ -10125,10 +10125,10 @@
               <a:t>techlahoma.org/spaces</a:t>
             </a:r>
             <a:r>
-              <a:rPr lang="en"/>
+              <a:rPr lang="en" dirty="0"/>
               <a:t> </a:t>
             </a:r>
-            <a:endParaRPr/>
+            <a:endParaRPr dirty="0"/>
           </a:p>
           <a:p>
             <a:pPr marL="0" lvl="0" indent="0" rtl="0">
@@ -10141,10 +10141,18 @@
               <a:buNone/>
             </a:pPr>
             <a:r>
-              <a:rPr lang="en"/>
-              <a:t>Channels for over 160 topics!</a:t>
+              <a:rPr lang="en" dirty="0"/>
+              <a:t>Channels for </a:t>
             </a:r>
-            <a:endParaRPr/>
+            <a:r>
+              <a:rPr lang="en" dirty="0" smtClean="0"/>
+              <a:t>#devops, #jobs, and over 150 other topics</a:t>
+            </a:r>
+            <a:r>
+              <a:rPr lang="en" dirty="0"/>
+              <a:t>!</a:t>
+            </a:r>
+            <a:endParaRPr dirty="0"/>
           </a:p>
         </p:txBody>
       </p:sp>
